--- a/mineru/model/pptx/powerpoint_sample.pptx
+++ b/mineru/model/pptx/powerpoint_sample.pptx
@@ -4755,7 +4755,7 @@
         </p:blipFill>
         <p:spPr>
           <a:xfrm>
-            <a:off x="4032250" y="1499870"/>
+            <a:off x="8946515" y="1499870"/>
             <a:ext cx="2518410" cy="3561715"/>
           </a:xfrm>
           <a:prstGeom prst="rect">
@@ -4763,6 +4763,447 @@
           </a:prstGeom>
         </p:spPr>
       </p:pic>
+      <mc:AlternateContent xmlns:mc="http://schemas.openxmlformats.org/markup-compatibility/2006">
+        <mc:Choice xmlns:a14="http://schemas.microsoft.com/office/drawing/2010/main" Requires="a14">
+          <p:sp>
+            <p:nvSpPr>
+              <p:cNvPr id="2" name="文本框 1"/>
+              <p:cNvSpPr txBox="1"/>
+              <p:nvPr/>
+            </p:nvSpPr>
+            <p:spPr>
+              <a:xfrm>
+                <a:off x="158115" y="147320"/>
+                <a:ext cx="8449310" cy="478155"/>
+              </a:xfrm>
+              <a:prstGeom prst="rect">
+                <a:avLst/>
+              </a:prstGeom>
+              <a:noFill/>
+            </p:spPr>
+            <p:txBody>
+              <a:bodyPr wrap="square" rtlCol="0">
+                <a:spAutoFit/>
+              </a:bodyPr>
+              <a:p>
+                <a:r>
+                  <a:rPr lang="zh-CN" altLang="en-US">
+                    <a:latin typeface="DejaVu Math TeX Gyre" panose="02000503000000000000" charset="0"/>
+                    <a:ea typeface="宋体" charset="0"/>
+                    <a:cs typeface="DejaVu Math TeX Gyre" panose="02000503000000000000" charset="0"/>
+                  </a:rPr>
+                  <a:t>公式前</a:t>
+                </a:r>
+                <a14:m>
+                  <m:oMath xmlns:m="http://schemas.openxmlformats.org/officeDocument/2006/math">
+                    <m:r>
+                      <a:rPr lang="en-US" altLang="zh-CN" i="1">
+                        <a:latin typeface="DejaVu Math TeX Gyre" panose="02000503000000000000" charset="0"/>
+                        <a:cs typeface="DejaVu Math TeX Gyre" panose="02000503000000000000" charset="0"/>
+                      </a:rPr>
+                      <m:t>𝑓</m:t>
+                    </m:r>
+                    <m:d>
+                      <m:dPr>
+                        <m:ctrlPr>
+                          <a:rPr lang="en-US" altLang="zh-CN" i="1">
+                            <a:latin typeface="DejaVu Math TeX Gyre" panose="02000503000000000000" charset="0"/>
+                            <a:cs typeface="DejaVu Math TeX Gyre" panose="02000503000000000000" charset="0"/>
+                          </a:rPr>
+                        </m:ctrlPr>
+                      </m:dPr>
+                      <m:e>
+                        <m:r>
+                          <a:rPr lang="en-US" altLang="zh-CN" i="1">
+                            <a:latin typeface="DejaVu Math TeX Gyre" panose="02000503000000000000" charset="0"/>
+                            <a:cs typeface="DejaVu Math TeX Gyre" panose="02000503000000000000" charset="0"/>
+                          </a:rPr>
+                          <m:t>𝑥</m:t>
+                        </m:r>
+                      </m:e>
+                    </m:d>
+                    <m:r>
+                      <a:rPr lang="en-US" altLang="zh-CN" i="1">
+                        <a:latin typeface="DejaVu Math TeX Gyre" panose="02000503000000000000" charset="0"/>
+                        <a:cs typeface="DejaVu Math TeX Gyre" panose="02000503000000000000" charset="0"/>
+                      </a:rPr>
+                      <m:t>=</m:t>
+                    </m:r>
+                    <m:sSub>
+                      <m:sSubPr>
+                        <m:ctrlPr>
+                          <a:rPr lang="en-US" altLang="zh-CN" i="1">
+                            <a:latin typeface="DejaVu Math TeX Gyre" panose="02000503000000000000" charset="0"/>
+                            <a:cs typeface="DejaVu Math TeX Gyre" panose="02000503000000000000" charset="0"/>
+                          </a:rPr>
+                        </m:ctrlPr>
+                      </m:sSubPr>
+                      <m:e>
+                        <m:r>
+                          <a:rPr lang="en-US" altLang="zh-CN" i="1">
+                            <a:latin typeface="DejaVu Math TeX Gyre" panose="02000503000000000000" charset="0"/>
+                            <a:cs typeface="DejaVu Math TeX Gyre" panose="02000503000000000000" charset="0"/>
+                          </a:rPr>
+                          <m:t>𝑎</m:t>
+                        </m:r>
+                      </m:e>
+                      <m:sub>
+                        <m:r>
+                          <a:rPr lang="en-US" altLang="zh-CN" i="1">
+                            <a:latin typeface="DejaVu Math TeX Gyre" panose="02000503000000000000" charset="0"/>
+                            <a:cs typeface="DejaVu Math TeX Gyre" panose="02000503000000000000" charset="0"/>
+                          </a:rPr>
+                          <m:t>0</m:t>
+                        </m:r>
+                      </m:sub>
+                    </m:sSub>
+                    <m:r>
+                      <a:rPr lang="en-US" altLang="zh-CN" i="1">
+                        <a:latin typeface="DejaVu Math TeX Gyre" panose="02000503000000000000" charset="0"/>
+                        <a:cs typeface="DejaVu Math TeX Gyre" panose="02000503000000000000" charset="0"/>
+                      </a:rPr>
+                      <m:t>+</m:t>
+                    </m:r>
+                    <m:nary>
+                      <m:naryPr>
+                        <m:chr m:val="∑"/>
+                        <m:limLoc m:val="undOvr"/>
+                        <m:ctrlPr>
+                          <a:rPr lang="en-US" altLang="zh-CN" i="1">
+                            <a:latin typeface="DejaVu Math TeX Gyre" panose="02000503000000000000" charset="0"/>
+                            <a:cs typeface="DejaVu Math TeX Gyre" panose="02000503000000000000" charset="0"/>
+                          </a:rPr>
+                        </m:ctrlPr>
+                      </m:naryPr>
+                      <m:sub>
+                        <m:r>
+                          <a:rPr lang="en-US" altLang="zh-CN" i="1">
+                            <a:latin typeface="DejaVu Math TeX Gyre" panose="02000503000000000000" charset="0"/>
+                            <a:cs typeface="DejaVu Math TeX Gyre" panose="02000503000000000000" charset="0"/>
+                          </a:rPr>
+                          <m:t>𝑛</m:t>
+                        </m:r>
+                        <m:r>
+                          <a:rPr lang="en-US" altLang="zh-CN" i="1">
+                            <a:latin typeface="DejaVu Math TeX Gyre" panose="02000503000000000000" charset="0"/>
+                            <a:cs typeface="DejaVu Math TeX Gyre" panose="02000503000000000000" charset="0"/>
+                          </a:rPr>
+                          <m:t>=</m:t>
+                        </m:r>
+                        <m:r>
+                          <a:rPr lang="en-US" altLang="zh-CN" i="1">
+                            <a:latin typeface="DejaVu Math TeX Gyre" panose="02000503000000000000" charset="0"/>
+                            <a:cs typeface="DejaVu Math TeX Gyre" panose="02000503000000000000" charset="0"/>
+                          </a:rPr>
+                          <m:t>1</m:t>
+                        </m:r>
+                      </m:sub>
+                      <m:sup>
+                        <m:r>
+                          <a:rPr lang="en-US" altLang="zh-CN" i="1">
+                            <a:latin typeface="DejaVu Math TeX Gyre" panose="02000503000000000000" charset="0"/>
+                            <a:cs typeface="DejaVu Math TeX Gyre" panose="02000503000000000000" charset="0"/>
+                          </a:rPr>
+                          <m:t>∞</m:t>
+                        </m:r>
+                      </m:sup>
+                      <m:e>
+                        <m:d>
+                          <m:dPr>
+                            <m:ctrlPr>
+                              <a:rPr lang="en-US" altLang="zh-CN" i="1">
+                                <a:latin typeface="DejaVu Math TeX Gyre" panose="02000503000000000000" charset="0"/>
+                                <a:cs typeface="DejaVu Math TeX Gyre" panose="02000503000000000000" charset="0"/>
+                              </a:rPr>
+                            </m:ctrlPr>
+                          </m:dPr>
+                          <m:e>
+                            <m:sSub>
+                              <m:sSubPr>
+                                <m:ctrlPr>
+                                  <a:rPr lang="en-US" altLang="zh-CN" i="1">
+                                    <a:latin typeface="DejaVu Math TeX Gyre" panose="02000503000000000000" charset="0"/>
+                                    <a:cs typeface="DejaVu Math TeX Gyre" panose="02000503000000000000" charset="0"/>
+                                  </a:rPr>
+                                </m:ctrlPr>
+                              </m:sSubPr>
+                              <m:e>
+                                <m:r>
+                                  <a:rPr lang="en-US" altLang="zh-CN" i="1">
+                                    <a:latin typeface="DejaVu Math TeX Gyre" panose="02000503000000000000" charset="0"/>
+                                    <a:cs typeface="DejaVu Math TeX Gyre" panose="02000503000000000000" charset="0"/>
+                                  </a:rPr>
+                                  <m:t>𝑎</m:t>
+                                </m:r>
+                              </m:e>
+                              <m:sub>
+                                <m:r>
+                                  <a:rPr lang="en-US" altLang="zh-CN" i="1">
+                                    <a:latin typeface="DejaVu Math TeX Gyre" panose="02000503000000000000" charset="0"/>
+                                    <a:cs typeface="DejaVu Math TeX Gyre" panose="02000503000000000000" charset="0"/>
+                                  </a:rPr>
+                                  <m:t>𝑛</m:t>
+                                </m:r>
+                              </m:sub>
+                            </m:sSub>
+                            <m:func>
+                              <m:funcPr>
+                                <m:ctrlPr>
+                                  <a:rPr lang="en-US" altLang="zh-CN">
+                                    <a:latin typeface="DejaVu Math TeX Gyre" panose="02000503000000000000" charset="0"/>
+                                    <a:cs typeface="DejaVu Math TeX Gyre" panose="02000503000000000000" charset="0"/>
+                                  </a:rPr>
+                                </m:ctrlPr>
+                              </m:funcPr>
+                              <m:fName>
+                                <m:r>
+                                  <m:rPr>
+                                    <m:sty m:val="p"/>
+                                  </m:rPr>
+                                  <a:rPr lang="en-US" altLang="zh-CN">
+                                    <a:latin typeface="DejaVu Math TeX Gyre" panose="02000503000000000000" charset="0"/>
+                                    <a:cs typeface="DejaVu Math TeX Gyre" panose="02000503000000000000" charset="0"/>
+                                  </a:rPr>
+                                  <m:t>cos</m:t>
+                                </m:r>
+                              </m:fName>
+                              <m:e>
+                                <m:f>
+                                  <m:fPr>
+                                    <m:ctrlPr>
+                                      <a:rPr lang="en-US" altLang="zh-CN" i="1">
+                                        <a:latin typeface="DejaVu Math TeX Gyre" panose="02000503000000000000" charset="0"/>
+                                        <a:cs typeface="DejaVu Math TeX Gyre" panose="02000503000000000000" charset="0"/>
+                                      </a:rPr>
+                                    </m:ctrlPr>
+                                  </m:fPr>
+                                  <m:num>
+                                    <m:r>
+                                      <a:rPr lang="en-US" altLang="zh-CN" i="1">
+                                        <a:latin typeface="DejaVu Math TeX Gyre" panose="02000503000000000000" charset="0"/>
+                                        <a:cs typeface="DejaVu Math TeX Gyre" panose="02000503000000000000" charset="0"/>
+                                      </a:rPr>
+                                      <m:t>𝑛</m:t>
+                                    </m:r>
+                                    <m:r>
+                                      <a:rPr lang="en-US" altLang="zh-CN" i="1">
+                                        <a:latin typeface="DejaVu Math TeX Gyre" panose="02000503000000000000" charset="0"/>
+                                        <a:cs typeface="DejaVu Math TeX Gyre" panose="02000503000000000000" charset="0"/>
+                                      </a:rPr>
+                                      <m:t>𝜋</m:t>
+                                    </m:r>
+                                    <m:r>
+                                      <a:rPr lang="en-US" altLang="zh-CN" i="1">
+                                        <a:latin typeface="DejaVu Math TeX Gyre" panose="02000503000000000000" charset="0"/>
+                                        <a:cs typeface="DejaVu Math TeX Gyre" panose="02000503000000000000" charset="0"/>
+                                      </a:rPr>
+                                      <m:t>𝑥</m:t>
+                                    </m:r>
+                                  </m:num>
+                                  <m:den>
+                                    <m:r>
+                                      <a:rPr lang="en-US" altLang="zh-CN" i="1">
+                                        <a:latin typeface="DejaVu Math TeX Gyre" panose="02000503000000000000" charset="0"/>
+                                        <a:cs typeface="DejaVu Math TeX Gyre" panose="02000503000000000000" charset="0"/>
+                                      </a:rPr>
+                                      <m:t>𝐿</m:t>
+                                    </m:r>
+                                  </m:den>
+                                </m:f>
+                              </m:e>
+                            </m:func>
+                            <m:r>
+                              <a:rPr lang="en-US" altLang="zh-CN" i="1">
+                                <a:latin typeface="DejaVu Math TeX Gyre" panose="02000503000000000000" charset="0"/>
+                                <a:cs typeface="DejaVu Math TeX Gyre" panose="02000503000000000000" charset="0"/>
+                              </a:rPr>
+                              <m:t>+</m:t>
+                            </m:r>
+                            <m:sSub>
+                              <m:sSubPr>
+                                <m:ctrlPr>
+                                  <a:rPr lang="en-US" altLang="zh-CN" i="1">
+                                    <a:latin typeface="DejaVu Math TeX Gyre" panose="02000503000000000000" charset="0"/>
+                                    <a:cs typeface="DejaVu Math TeX Gyre" panose="02000503000000000000" charset="0"/>
+                                  </a:rPr>
+                                </m:ctrlPr>
+                              </m:sSubPr>
+                              <m:e>
+                                <m:r>
+                                  <a:rPr lang="en-US" altLang="zh-CN" i="1">
+                                    <a:latin typeface="DejaVu Math TeX Gyre" panose="02000503000000000000" charset="0"/>
+                                    <a:cs typeface="DejaVu Math TeX Gyre" panose="02000503000000000000" charset="0"/>
+                                  </a:rPr>
+                                  <m:t>𝑏</m:t>
+                                </m:r>
+                              </m:e>
+                              <m:sub>
+                                <m:r>
+                                  <a:rPr lang="en-US" altLang="zh-CN" i="1">
+                                    <a:latin typeface="DejaVu Math TeX Gyre" panose="02000503000000000000" charset="0"/>
+                                    <a:cs typeface="DejaVu Math TeX Gyre" panose="02000503000000000000" charset="0"/>
+                                  </a:rPr>
+                                  <m:t>𝑛</m:t>
+                                </m:r>
+                              </m:sub>
+                            </m:sSub>
+                            <m:func>
+                              <m:funcPr>
+                                <m:ctrlPr>
+                                  <a:rPr lang="en-US" altLang="zh-CN">
+                                    <a:latin typeface="DejaVu Math TeX Gyre" panose="02000503000000000000" charset="0"/>
+                                    <a:cs typeface="DejaVu Math TeX Gyre" panose="02000503000000000000" charset="0"/>
+                                  </a:rPr>
+                                </m:ctrlPr>
+                              </m:funcPr>
+                              <m:fName>
+                                <m:r>
+                                  <m:rPr>
+                                    <m:sty m:val="p"/>
+                                  </m:rPr>
+                                  <a:rPr lang="en-US" altLang="zh-CN">
+                                    <a:latin typeface="DejaVu Math TeX Gyre" panose="02000503000000000000" charset="0"/>
+                                    <a:cs typeface="DejaVu Math TeX Gyre" panose="02000503000000000000" charset="0"/>
+                                  </a:rPr>
+                                  <m:t>sin</m:t>
+                                </m:r>
+                              </m:fName>
+                              <m:e>
+                                <m:f>
+                                  <m:fPr>
+                                    <m:ctrlPr>
+                                      <a:rPr lang="en-US" altLang="zh-CN" i="1">
+                                        <a:latin typeface="DejaVu Math TeX Gyre" panose="02000503000000000000" charset="0"/>
+                                        <a:cs typeface="DejaVu Math TeX Gyre" panose="02000503000000000000" charset="0"/>
+                                      </a:rPr>
+                                    </m:ctrlPr>
+                                  </m:fPr>
+                                  <m:num>
+                                    <m:r>
+                                      <a:rPr lang="en-US" altLang="zh-CN" i="1">
+                                        <a:latin typeface="DejaVu Math TeX Gyre" panose="02000503000000000000" charset="0"/>
+                                        <a:cs typeface="DejaVu Math TeX Gyre" panose="02000503000000000000" charset="0"/>
+                                      </a:rPr>
+                                      <m:t>𝑛</m:t>
+                                    </m:r>
+                                    <m:r>
+                                      <a:rPr lang="en-US" altLang="zh-CN" i="1">
+                                        <a:latin typeface="DejaVu Math TeX Gyre" panose="02000503000000000000" charset="0"/>
+                                        <a:cs typeface="DejaVu Math TeX Gyre" panose="02000503000000000000" charset="0"/>
+                                      </a:rPr>
+                                      <m:t>𝜋</m:t>
+                                    </m:r>
+                                    <m:r>
+                                      <a:rPr lang="en-US" altLang="zh-CN" i="1">
+                                        <a:latin typeface="DejaVu Math TeX Gyre" panose="02000503000000000000" charset="0"/>
+                                        <a:cs typeface="DejaVu Math TeX Gyre" panose="02000503000000000000" charset="0"/>
+                                      </a:rPr>
+                                      <m:t>𝑥</m:t>
+                                    </m:r>
+                                  </m:num>
+                                  <m:den>
+                                    <m:r>
+                                      <a:rPr lang="en-US" altLang="zh-CN" i="1">
+                                        <a:latin typeface="DejaVu Math TeX Gyre" panose="02000503000000000000" charset="0"/>
+                                        <a:cs typeface="DejaVu Math TeX Gyre" panose="02000503000000000000" charset="0"/>
+                                      </a:rPr>
+                                      <m:t>𝐿</m:t>
+                                    </m:r>
+                                  </m:den>
+                                </m:f>
+                              </m:e>
+                            </m:func>
+                          </m:e>
+                        </m:d>
+                      </m:e>
+                    </m:nary>
+                  </m:oMath>
+                </a14:m>
+                <a:r>
+                  <a:rPr lang="zh-CN" altLang="en-US">
+                    <a:latin typeface="DejaVu Math TeX Gyre" panose="02000503000000000000" charset="0"/>
+                    <a:ea typeface="宋体" charset="0"/>
+                    <a:cs typeface="DejaVu Math TeX Gyre" panose="02000503000000000000" charset="0"/>
+                  </a:rPr>
+                  <a:t>公式后</a:t>
+                </a:r>
+                <a:endParaRPr lang="zh-CN" altLang="en-US">
+                  <a:latin typeface="DejaVu Math TeX Gyre" panose="02000503000000000000" charset="0"/>
+                  <a:ea typeface="宋体" charset="0"/>
+                  <a:cs typeface="DejaVu Math TeX Gyre" panose="02000503000000000000" charset="0"/>
+                </a:endParaRPr>
+              </a:p>
+            </p:txBody>
+          </p:sp>
+        </mc:Choice>
+        <mc:Fallback>
+          <p:sp>
+            <p:nvSpPr>
+              <p:cNvPr id="2" name="文本框 1"/>
+              <p:cNvSpPr txBox="1">
+                <a:spLocks noRot="1" noChangeAspect="1" noMove="1" noResize="1" noEditPoints="1" noAdjustHandles="1" noChangeArrowheads="1" noChangeShapeType="1" noTextEdit="1"/>
+              </p:cNvSpPr>
+              <p:nvPr/>
+            </p:nvSpPr>
+            <p:spPr>
+              <a:xfrm>
+                <a:off x="158115" y="147320"/>
+                <a:ext cx="8449310" cy="478155"/>
+              </a:xfrm>
+              <a:prstGeom prst="rect">
+                <a:avLst/>
+              </a:prstGeom>
+              <a:blipFill rotWithShape="1">
+                <a:blip r:embed="rId2"/>
+                <a:stretch>
+                  <a:fillRect/>
+                </a:stretch>
+              </a:blipFill>
+            </p:spPr>
+            <p:txBody>
+              <a:bodyPr/>
+              <a:lstStyle/>
+              <a:p>
+                <a:r>
+                  <a:rPr lang="zh-CN" altLang="en-US">
+                    <a:noFill/>
+                  </a:rPr>
+                  <a:t> </a:t>
+                </a:r>
+              </a:p>
+            </p:txBody>
+          </p:sp>
+        </mc:Fallback>
+      </mc:AlternateContent>
+      <p:sp>
+        <p:nvSpPr>
+          <p:cNvPr id="3" name="文本框 2"/>
+          <p:cNvSpPr txBox="1"/>
+          <p:nvPr/>
+        </p:nvSpPr>
+        <p:spPr>
+          <a:xfrm>
+            <a:off x="130175" y="2026285"/>
+            <a:ext cx="5747385" cy="368300"/>
+          </a:xfrm>
+          <a:prstGeom prst="rect">
+            <a:avLst/>
+          </a:prstGeom>
+          <a:noFill/>
+        </p:spPr>
+        <p:txBody>
+          <a:bodyPr wrap="square" rtlCol="0">
+            <a:spAutoFit/>
+          </a:bodyPr>
+          <a:p>
+            <a:r>
+              <a:rPr lang="zh-CN" altLang="en-US"/>
+              <a:t>普通文本框</a:t>
+            </a:r>
+            <a:endParaRPr lang="zh-CN" altLang="en-US"/>
+          </a:p>
+        </p:txBody>
+      </p:sp>
     </p:spTree>
   </p:cSld>
   <p:clrMapOvr>
